--- a/Movie Recommendation System Project Outline.pptx
+++ b/Movie Recommendation System Project Outline.pptx
@@ -7,7 +7,11 @@
   <p:sldIdLst>
     <p:sldId id="256" r:id="rId2"/>
     <p:sldId id="258" r:id="rId3"/>
-    <p:sldId id="259" r:id="rId4"/>
+    <p:sldId id="260" r:id="rId4"/>
+    <p:sldId id="261" r:id="rId5"/>
+    <p:sldId id="262" r:id="rId6"/>
+    <p:sldId id="259" r:id="rId7"/>
+    <p:sldId id="263" r:id="rId8"/>
   </p:sldIdLst>
   <p:sldSz cx="12192000" cy="6858000"/>
   <p:notesSz cx="6858000" cy="9144000"/>
@@ -261,7 +265,7 @@
           <a:p>
             <a:fld id="{218B68D0-4286-4964-B32D-CB444E737AB9}" type="datetimeFigureOut">
               <a:rPr lang="en-US" smtClean="0"/>
-              <a:t>11/10/2022</a:t>
+              <a:t>11/22/2022</a:t>
             </a:fld>
             <a:endParaRPr lang="en-US"/>
           </a:p>
@@ -459,7 +463,7 @@
           <a:p>
             <a:fld id="{218B68D0-4286-4964-B32D-CB444E737AB9}" type="datetimeFigureOut">
               <a:rPr lang="en-US" smtClean="0"/>
-              <a:t>11/10/2022</a:t>
+              <a:t>11/22/2022</a:t>
             </a:fld>
             <a:endParaRPr lang="en-US"/>
           </a:p>
@@ -667,7 +671,7 @@
           <a:p>
             <a:fld id="{218B68D0-4286-4964-B32D-CB444E737AB9}" type="datetimeFigureOut">
               <a:rPr lang="en-US" smtClean="0"/>
-              <a:t>11/10/2022</a:t>
+              <a:t>11/22/2022</a:t>
             </a:fld>
             <a:endParaRPr lang="en-US"/>
           </a:p>
@@ -865,7 +869,7 @@
           <a:p>
             <a:fld id="{218B68D0-4286-4964-B32D-CB444E737AB9}" type="datetimeFigureOut">
               <a:rPr lang="en-US" smtClean="0"/>
-              <a:t>11/10/2022</a:t>
+              <a:t>11/22/2022</a:t>
             </a:fld>
             <a:endParaRPr lang="en-US"/>
           </a:p>
@@ -1140,7 +1144,7 @@
           <a:p>
             <a:fld id="{218B68D0-4286-4964-B32D-CB444E737AB9}" type="datetimeFigureOut">
               <a:rPr lang="en-US" smtClean="0"/>
-              <a:t>11/10/2022</a:t>
+              <a:t>11/22/2022</a:t>
             </a:fld>
             <a:endParaRPr lang="en-US"/>
           </a:p>
@@ -1405,7 +1409,7 @@
           <a:p>
             <a:fld id="{218B68D0-4286-4964-B32D-CB444E737AB9}" type="datetimeFigureOut">
               <a:rPr lang="en-US" smtClean="0"/>
-              <a:t>11/10/2022</a:t>
+              <a:t>11/22/2022</a:t>
             </a:fld>
             <a:endParaRPr lang="en-US"/>
           </a:p>
@@ -1817,7 +1821,7 @@
           <a:p>
             <a:fld id="{218B68D0-4286-4964-B32D-CB444E737AB9}" type="datetimeFigureOut">
               <a:rPr lang="en-US" smtClean="0"/>
-              <a:t>11/10/2022</a:t>
+              <a:t>11/22/2022</a:t>
             </a:fld>
             <a:endParaRPr lang="en-US"/>
           </a:p>
@@ -1958,7 +1962,7 @@
           <a:p>
             <a:fld id="{218B68D0-4286-4964-B32D-CB444E737AB9}" type="datetimeFigureOut">
               <a:rPr lang="en-US" smtClean="0"/>
-              <a:t>11/10/2022</a:t>
+              <a:t>11/22/2022</a:t>
             </a:fld>
             <a:endParaRPr lang="en-US"/>
           </a:p>
@@ -2071,7 +2075,7 @@
           <a:p>
             <a:fld id="{218B68D0-4286-4964-B32D-CB444E737AB9}" type="datetimeFigureOut">
               <a:rPr lang="en-US" smtClean="0"/>
-              <a:t>11/10/2022</a:t>
+              <a:t>11/22/2022</a:t>
             </a:fld>
             <a:endParaRPr lang="en-US"/>
           </a:p>
@@ -2382,7 +2386,7 @@
           <a:p>
             <a:fld id="{218B68D0-4286-4964-B32D-CB444E737AB9}" type="datetimeFigureOut">
               <a:rPr lang="en-US" smtClean="0"/>
-              <a:t>11/10/2022</a:t>
+              <a:t>11/22/2022</a:t>
             </a:fld>
             <a:endParaRPr lang="en-US"/>
           </a:p>
@@ -2670,7 +2674,7 @@
           <a:p>
             <a:fld id="{218B68D0-4286-4964-B32D-CB444E737AB9}" type="datetimeFigureOut">
               <a:rPr lang="en-US" smtClean="0"/>
-              <a:t>11/10/2022</a:t>
+              <a:t>11/22/2022</a:t>
             </a:fld>
             <a:endParaRPr lang="en-US"/>
           </a:p>
@@ -2911,7 +2915,7 @@
           <a:p>
             <a:fld id="{218B68D0-4286-4964-B32D-CB444E737AB9}" type="datetimeFigureOut">
               <a:rPr lang="en-US" smtClean="0"/>
-              <a:t>11/10/2022</a:t>
+              <a:t>11/22/2022</a:t>
             </a:fld>
             <a:endParaRPr lang="en-US"/>
           </a:p>
@@ -4483,7 +4487,7 @@
           <p:cNvPr id="2" name="TextBox 1">
             <a:extLst>
               <a:ext uri="{FF2B5EF4-FFF2-40B4-BE49-F238E27FC236}">
-                <a16:creationId xmlns:a16="http://schemas.microsoft.com/office/drawing/2014/main" id="{E14E4811-A628-4261-F880-08AC396ADDD1}"/>
+                <a16:creationId xmlns:a16="http://schemas.microsoft.com/office/drawing/2014/main" id="{13F0FFD6-DBF1-70B4-FD60-1527B1F28361}"/>
               </a:ext>
             </a:extLst>
           </p:cNvPr>
@@ -4493,7 +4497,7 @@
         <p:spPr>
           <a:xfrm>
             <a:off x="618565" y="367553"/>
-            <a:ext cx="4135043" cy="400110"/>
+            <a:ext cx="4673139" cy="400110"/>
           </a:xfrm>
           <a:prstGeom prst="rect">
             <a:avLst/>
@@ -4508,7 +4512,2369 @@
           <a:p>
             <a:r>
               <a:rPr lang="en-US" sz="2000" b="1" dirty="0"/>
-              <a:t>Metrics for Movie Recommendations</a:t>
+              <a:t>Movie Recommendation System Structure</a:t>
+            </a:r>
+          </a:p>
+        </p:txBody>
+      </p:sp>
+      <p:grpSp>
+        <p:nvGrpSpPr>
+          <p:cNvPr id="29" name="Group 28">
+            <a:extLst>
+              <a:ext uri="{FF2B5EF4-FFF2-40B4-BE49-F238E27FC236}">
+                <a16:creationId xmlns:a16="http://schemas.microsoft.com/office/drawing/2014/main" id="{D4F58BF6-28D4-AC46-EBAD-4BA6CE70E482}"/>
+              </a:ext>
+            </a:extLst>
+          </p:cNvPr>
+          <p:cNvGrpSpPr/>
+          <p:nvPr/>
+        </p:nvGrpSpPr>
+        <p:grpSpPr>
+          <a:xfrm>
+            <a:off x="618565" y="1298693"/>
+            <a:ext cx="7739628" cy="4260614"/>
+            <a:chOff x="959224" y="1055457"/>
+            <a:chExt cx="7739628" cy="4260614"/>
+          </a:xfrm>
+        </p:grpSpPr>
+        <p:sp>
+          <p:nvSpPr>
+            <p:cNvPr id="5" name="Rectangle: Rounded Corners 4">
+              <a:extLst>
+                <a:ext uri="{FF2B5EF4-FFF2-40B4-BE49-F238E27FC236}">
+                  <a16:creationId xmlns:a16="http://schemas.microsoft.com/office/drawing/2014/main" id="{592358D4-43FD-B202-F6BA-CE14ACB88D41}"/>
+                </a:ext>
+              </a:extLst>
+            </p:cNvPr>
+            <p:cNvSpPr/>
+            <p:nvPr/>
+          </p:nvSpPr>
+          <p:spPr>
+            <a:xfrm>
+              <a:off x="1138518" y="1541929"/>
+              <a:ext cx="2070847" cy="1165412"/>
+            </a:xfrm>
+            <a:prstGeom prst="roundRect">
+              <a:avLst/>
+            </a:prstGeom>
+            <a:solidFill>
+              <a:schemeClr val="bg1">
+                <a:lumMod val="50000"/>
+              </a:schemeClr>
+            </a:solidFill>
+            <a:ln>
+              <a:solidFill>
+                <a:schemeClr val="tx1"/>
+              </a:solidFill>
+            </a:ln>
+          </p:spPr>
+          <p:style>
+            <a:lnRef idx="2">
+              <a:schemeClr val="accent1">
+                <a:shade val="50000"/>
+              </a:schemeClr>
+            </a:lnRef>
+            <a:fillRef idx="1">
+              <a:schemeClr val="accent1"/>
+            </a:fillRef>
+            <a:effectRef idx="0">
+              <a:schemeClr val="accent1"/>
+            </a:effectRef>
+            <a:fontRef idx="minor">
+              <a:schemeClr val="lt1"/>
+            </a:fontRef>
+          </p:style>
+          <p:txBody>
+            <a:bodyPr rtlCol="0" anchor="ctr"/>
+            <a:lstStyle/>
+            <a:p>
+              <a:pPr algn="ctr"/>
+              <a:r>
+                <a:rPr lang="en-US" dirty="0"/>
+                <a:t>Predicting Movie Popularity</a:t>
+              </a:r>
+            </a:p>
+          </p:txBody>
+        </p:sp>
+        <p:sp>
+          <p:nvSpPr>
+            <p:cNvPr id="6" name="Rectangle: Rounded Corners 5">
+              <a:extLst>
+                <a:ext uri="{FF2B5EF4-FFF2-40B4-BE49-F238E27FC236}">
+                  <a16:creationId xmlns:a16="http://schemas.microsoft.com/office/drawing/2014/main" id="{49B68C6B-5CE8-0686-3946-3FBE8CF423A6}"/>
+                </a:ext>
+              </a:extLst>
+            </p:cNvPr>
+            <p:cNvSpPr/>
+            <p:nvPr/>
+          </p:nvSpPr>
+          <p:spPr>
+            <a:xfrm>
+              <a:off x="1138517" y="2846294"/>
+              <a:ext cx="2070847" cy="1165412"/>
+            </a:xfrm>
+            <a:prstGeom prst="roundRect">
+              <a:avLst/>
+            </a:prstGeom>
+            <a:solidFill>
+              <a:schemeClr val="bg1">
+                <a:lumMod val="50000"/>
+              </a:schemeClr>
+            </a:solidFill>
+            <a:ln>
+              <a:solidFill>
+                <a:schemeClr val="tx1"/>
+              </a:solidFill>
+            </a:ln>
+          </p:spPr>
+          <p:style>
+            <a:lnRef idx="2">
+              <a:schemeClr val="accent1">
+                <a:shade val="50000"/>
+              </a:schemeClr>
+            </a:lnRef>
+            <a:fillRef idx="1">
+              <a:schemeClr val="accent1"/>
+            </a:fillRef>
+            <a:effectRef idx="0">
+              <a:schemeClr val="accent1"/>
+            </a:effectRef>
+            <a:fontRef idx="minor">
+              <a:schemeClr val="lt1"/>
+            </a:fontRef>
+          </p:style>
+          <p:txBody>
+            <a:bodyPr rtlCol="0" anchor="ctr"/>
+            <a:lstStyle/>
+            <a:p>
+              <a:pPr algn="ctr"/>
+              <a:r>
+                <a:rPr lang="en-US" dirty="0"/>
+                <a:t>Movie Similarity Clustering</a:t>
+              </a:r>
+            </a:p>
+          </p:txBody>
+        </p:sp>
+        <p:sp>
+          <p:nvSpPr>
+            <p:cNvPr id="7" name="Rectangle: Rounded Corners 6">
+              <a:extLst>
+                <a:ext uri="{FF2B5EF4-FFF2-40B4-BE49-F238E27FC236}">
+                  <a16:creationId xmlns:a16="http://schemas.microsoft.com/office/drawing/2014/main" id="{786965CA-5483-0430-E9F9-6A365BB406A5}"/>
+                </a:ext>
+              </a:extLst>
+            </p:cNvPr>
+            <p:cNvSpPr/>
+            <p:nvPr/>
+          </p:nvSpPr>
+          <p:spPr>
+            <a:xfrm>
+              <a:off x="959224" y="1394011"/>
+              <a:ext cx="2420470" cy="3922060"/>
+            </a:xfrm>
+            <a:prstGeom prst="roundRect">
+              <a:avLst/>
+            </a:prstGeom>
+            <a:noFill/>
+            <a:ln>
+              <a:solidFill>
+                <a:schemeClr val="tx1"/>
+              </a:solidFill>
+            </a:ln>
+          </p:spPr>
+          <p:style>
+            <a:lnRef idx="2">
+              <a:schemeClr val="accent1">
+                <a:shade val="50000"/>
+              </a:schemeClr>
+            </a:lnRef>
+            <a:fillRef idx="1">
+              <a:schemeClr val="accent1"/>
+            </a:fillRef>
+            <a:effectRef idx="0">
+              <a:schemeClr val="accent1"/>
+            </a:effectRef>
+            <a:fontRef idx="minor">
+              <a:schemeClr val="lt1"/>
+            </a:fontRef>
+          </p:style>
+          <p:txBody>
+            <a:bodyPr rtlCol="0" anchor="ctr"/>
+            <a:lstStyle/>
+            <a:p>
+              <a:pPr algn="ctr"/>
+              <a:endParaRPr lang="en-US" dirty="0"/>
+            </a:p>
+          </p:txBody>
+        </p:sp>
+        <p:sp>
+          <p:nvSpPr>
+            <p:cNvPr id="8" name="TextBox 7">
+              <a:extLst>
+                <a:ext uri="{FF2B5EF4-FFF2-40B4-BE49-F238E27FC236}">
+                  <a16:creationId xmlns:a16="http://schemas.microsoft.com/office/drawing/2014/main" id="{69403DB3-24E5-8940-C035-F5CED5C5761B}"/>
+                </a:ext>
+              </a:extLst>
+            </p:cNvPr>
+            <p:cNvSpPr txBox="1"/>
+            <p:nvPr/>
+          </p:nvSpPr>
+          <p:spPr>
+            <a:xfrm>
+              <a:off x="1239384" y="1055457"/>
+              <a:ext cx="1865895" cy="338554"/>
+            </a:xfrm>
+            <a:prstGeom prst="rect">
+              <a:avLst/>
+            </a:prstGeom>
+            <a:noFill/>
+          </p:spPr>
+          <p:txBody>
+            <a:bodyPr wrap="none" rtlCol="0">
+              <a:spAutoFit/>
+            </a:bodyPr>
+            <a:lstStyle/>
+            <a:p>
+              <a:r>
+                <a:rPr lang="en-US" sz="1600" b="1" dirty="0"/>
+                <a:t>Model Components</a:t>
+              </a:r>
+            </a:p>
+          </p:txBody>
+        </p:sp>
+        <p:sp>
+          <p:nvSpPr>
+            <p:cNvPr id="9" name="Rectangle: Rounded Corners 8">
+              <a:extLst>
+                <a:ext uri="{FF2B5EF4-FFF2-40B4-BE49-F238E27FC236}">
+                  <a16:creationId xmlns:a16="http://schemas.microsoft.com/office/drawing/2014/main" id="{7A1E1228-E03F-B311-63E6-1EA48C99A54E}"/>
+                </a:ext>
+              </a:extLst>
+            </p:cNvPr>
+            <p:cNvSpPr/>
+            <p:nvPr/>
+          </p:nvSpPr>
+          <p:spPr>
+            <a:xfrm>
+              <a:off x="1136907" y="4055348"/>
+              <a:ext cx="2070847" cy="294912"/>
+            </a:xfrm>
+            <a:prstGeom prst="roundRect">
+              <a:avLst/>
+            </a:prstGeom>
+            <a:solidFill>
+              <a:schemeClr val="accent1">
+                <a:lumMod val="75000"/>
+              </a:schemeClr>
+            </a:solidFill>
+            <a:ln>
+              <a:solidFill>
+                <a:schemeClr val="tx1"/>
+              </a:solidFill>
+            </a:ln>
+          </p:spPr>
+          <p:style>
+            <a:lnRef idx="2">
+              <a:schemeClr val="accent1">
+                <a:shade val="50000"/>
+              </a:schemeClr>
+            </a:lnRef>
+            <a:fillRef idx="1">
+              <a:schemeClr val="accent1"/>
+            </a:fillRef>
+            <a:effectRef idx="0">
+              <a:schemeClr val="accent1"/>
+            </a:effectRef>
+            <a:fontRef idx="minor">
+              <a:schemeClr val="lt1"/>
+            </a:fontRef>
+          </p:style>
+          <p:txBody>
+            <a:bodyPr rtlCol="0" anchor="ctr"/>
+            <a:lstStyle/>
+            <a:p>
+              <a:pPr algn="ctr"/>
+              <a:r>
+                <a:rPr lang="en-US" dirty="0"/>
+                <a:t>Genre</a:t>
+              </a:r>
+            </a:p>
+          </p:txBody>
+        </p:sp>
+        <p:sp>
+          <p:nvSpPr>
+            <p:cNvPr id="10" name="Rectangle: Rounded Corners 9">
+              <a:extLst>
+                <a:ext uri="{FF2B5EF4-FFF2-40B4-BE49-F238E27FC236}">
+                  <a16:creationId xmlns:a16="http://schemas.microsoft.com/office/drawing/2014/main" id="{CF5A03D6-4F10-8111-FF4B-F9324875B12C}"/>
+                </a:ext>
+              </a:extLst>
+            </p:cNvPr>
+            <p:cNvSpPr/>
+            <p:nvPr/>
+          </p:nvSpPr>
+          <p:spPr>
+            <a:xfrm>
+              <a:off x="1136907" y="4393902"/>
+              <a:ext cx="2070847" cy="294912"/>
+            </a:xfrm>
+            <a:prstGeom prst="roundRect">
+              <a:avLst/>
+            </a:prstGeom>
+            <a:solidFill>
+              <a:schemeClr val="accent2">
+                <a:lumMod val="75000"/>
+              </a:schemeClr>
+            </a:solidFill>
+            <a:ln>
+              <a:solidFill>
+                <a:schemeClr val="tx1"/>
+              </a:solidFill>
+            </a:ln>
+          </p:spPr>
+          <p:style>
+            <a:lnRef idx="2">
+              <a:schemeClr val="accent1">
+                <a:shade val="50000"/>
+              </a:schemeClr>
+            </a:lnRef>
+            <a:fillRef idx="1">
+              <a:schemeClr val="accent1"/>
+            </a:fillRef>
+            <a:effectRef idx="0">
+              <a:schemeClr val="accent1"/>
+            </a:effectRef>
+            <a:fontRef idx="minor">
+              <a:schemeClr val="lt1"/>
+            </a:fontRef>
+          </p:style>
+          <p:txBody>
+            <a:bodyPr rtlCol="0" anchor="ctr"/>
+            <a:lstStyle/>
+            <a:p>
+              <a:pPr algn="ctr"/>
+              <a:r>
+                <a:rPr lang="en-US" dirty="0"/>
+                <a:t>Production</a:t>
+              </a:r>
+            </a:p>
+          </p:txBody>
+        </p:sp>
+        <p:sp>
+          <p:nvSpPr>
+            <p:cNvPr id="11" name="Rectangle: Rounded Corners 10">
+              <a:extLst>
+                <a:ext uri="{FF2B5EF4-FFF2-40B4-BE49-F238E27FC236}">
+                  <a16:creationId xmlns:a16="http://schemas.microsoft.com/office/drawing/2014/main" id="{D2F58769-A2DA-3335-AA4B-5CC2534D2AFA}"/>
+                </a:ext>
+              </a:extLst>
+            </p:cNvPr>
+            <p:cNvSpPr/>
+            <p:nvPr/>
+          </p:nvSpPr>
+          <p:spPr>
+            <a:xfrm>
+              <a:off x="1136907" y="4732456"/>
+              <a:ext cx="2070847" cy="294912"/>
+            </a:xfrm>
+            <a:prstGeom prst="roundRect">
+              <a:avLst/>
+            </a:prstGeom>
+            <a:solidFill>
+              <a:srgbClr val="00B050"/>
+            </a:solidFill>
+            <a:ln>
+              <a:solidFill>
+                <a:schemeClr val="tx1"/>
+              </a:solidFill>
+            </a:ln>
+          </p:spPr>
+          <p:style>
+            <a:lnRef idx="2">
+              <a:schemeClr val="accent1">
+                <a:shade val="50000"/>
+              </a:schemeClr>
+            </a:lnRef>
+            <a:fillRef idx="1">
+              <a:schemeClr val="accent1"/>
+            </a:fillRef>
+            <a:effectRef idx="0">
+              <a:schemeClr val="accent1"/>
+            </a:effectRef>
+            <a:fontRef idx="minor">
+              <a:schemeClr val="lt1"/>
+            </a:fontRef>
+          </p:style>
+          <p:txBody>
+            <a:bodyPr rtlCol="0" anchor="ctr"/>
+            <a:lstStyle/>
+            <a:p>
+              <a:pPr algn="ctr"/>
+              <a:r>
+                <a:rPr lang="en-US" dirty="0"/>
+                <a:t>Topic</a:t>
+              </a:r>
+            </a:p>
+          </p:txBody>
+        </p:sp>
+        <p:sp>
+          <p:nvSpPr>
+            <p:cNvPr id="12" name="Right Brace 11">
+              <a:extLst>
+                <a:ext uri="{FF2B5EF4-FFF2-40B4-BE49-F238E27FC236}">
+                  <a16:creationId xmlns:a16="http://schemas.microsoft.com/office/drawing/2014/main" id="{9A1CCDFF-7C86-8FE6-18CF-94CB847244C5}"/>
+                </a:ext>
+              </a:extLst>
+            </p:cNvPr>
+            <p:cNvSpPr/>
+            <p:nvPr/>
+          </p:nvSpPr>
+          <p:spPr>
+            <a:xfrm>
+              <a:off x="3238002" y="4688814"/>
+              <a:ext cx="498533" cy="400110"/>
+            </a:xfrm>
+            <a:prstGeom prst="rightBrace">
+              <a:avLst/>
+            </a:prstGeom>
+            <a:ln w="28575"/>
+          </p:spPr>
+          <p:style>
+            <a:lnRef idx="1">
+              <a:schemeClr val="dk1"/>
+            </a:lnRef>
+            <a:fillRef idx="0">
+              <a:schemeClr val="dk1"/>
+            </a:fillRef>
+            <a:effectRef idx="0">
+              <a:schemeClr val="dk1"/>
+            </a:effectRef>
+            <a:fontRef idx="minor">
+              <a:schemeClr val="tx1"/>
+            </a:fontRef>
+          </p:style>
+          <p:txBody>
+            <a:bodyPr rtlCol="0" anchor="ctr"/>
+            <a:lstStyle/>
+            <a:p>
+              <a:pPr algn="ctr"/>
+              <a:endParaRPr lang="en-US"/>
+            </a:p>
+          </p:txBody>
+        </p:sp>
+        <p:sp>
+          <p:nvSpPr>
+            <p:cNvPr id="13" name="TextBox 12">
+              <a:extLst>
+                <a:ext uri="{FF2B5EF4-FFF2-40B4-BE49-F238E27FC236}">
+                  <a16:creationId xmlns:a16="http://schemas.microsoft.com/office/drawing/2014/main" id="{657E3F20-F081-5120-E768-A2B806686E20}"/>
+                </a:ext>
+              </a:extLst>
+            </p:cNvPr>
+            <p:cNvSpPr txBox="1"/>
+            <p:nvPr/>
+          </p:nvSpPr>
+          <p:spPr>
+            <a:xfrm>
+              <a:off x="3766783" y="4704203"/>
+              <a:ext cx="550151" cy="369332"/>
+            </a:xfrm>
+            <a:prstGeom prst="rect">
+              <a:avLst/>
+            </a:prstGeom>
+            <a:noFill/>
+          </p:spPr>
+          <p:txBody>
+            <a:bodyPr wrap="none" rtlCol="0">
+              <a:spAutoFit/>
+            </a:bodyPr>
+            <a:lstStyle/>
+            <a:p>
+              <a:r>
+                <a:rPr lang="en-US" dirty="0"/>
+                <a:t>NLP</a:t>
+              </a:r>
+            </a:p>
+          </p:txBody>
+        </p:sp>
+        <p:sp>
+          <p:nvSpPr>
+            <p:cNvPr id="14" name="Right Brace 13">
+              <a:extLst>
+                <a:ext uri="{FF2B5EF4-FFF2-40B4-BE49-F238E27FC236}">
+                  <a16:creationId xmlns:a16="http://schemas.microsoft.com/office/drawing/2014/main" id="{652F1F79-EDEF-A0E0-8056-4192733CDFFC}"/>
+                </a:ext>
+              </a:extLst>
+            </p:cNvPr>
+            <p:cNvSpPr/>
+            <p:nvPr/>
+          </p:nvSpPr>
+          <p:spPr>
+            <a:xfrm>
+              <a:off x="3487268" y="1541928"/>
+              <a:ext cx="498533" cy="2469777"/>
+            </a:xfrm>
+            <a:prstGeom prst="rightBrace">
+              <a:avLst/>
+            </a:prstGeom>
+            <a:ln w="28575"/>
+          </p:spPr>
+          <p:style>
+            <a:lnRef idx="1">
+              <a:schemeClr val="dk1"/>
+            </a:lnRef>
+            <a:fillRef idx="0">
+              <a:schemeClr val="dk1"/>
+            </a:fillRef>
+            <a:effectRef idx="0">
+              <a:schemeClr val="dk1"/>
+            </a:effectRef>
+            <a:fontRef idx="minor">
+              <a:schemeClr val="tx1"/>
+            </a:fontRef>
+          </p:style>
+          <p:txBody>
+            <a:bodyPr rtlCol="0" anchor="ctr"/>
+            <a:lstStyle/>
+            <a:p>
+              <a:pPr algn="ctr"/>
+              <a:endParaRPr lang="en-US"/>
+            </a:p>
+          </p:txBody>
+        </p:sp>
+        <p:grpSp>
+          <p:nvGrpSpPr>
+            <p:cNvPr id="15" name="Group 14">
+              <a:extLst>
+                <a:ext uri="{FF2B5EF4-FFF2-40B4-BE49-F238E27FC236}">
+                  <a16:creationId xmlns:a16="http://schemas.microsoft.com/office/drawing/2014/main" id="{163B6324-A0D6-19D3-9202-F8D495C6B0A9}"/>
+                </a:ext>
+              </a:extLst>
+            </p:cNvPr>
+            <p:cNvGrpSpPr/>
+            <p:nvPr/>
+          </p:nvGrpSpPr>
+          <p:grpSpPr>
+            <a:xfrm>
+              <a:off x="3985801" y="2304464"/>
+              <a:ext cx="2841704" cy="646331"/>
+              <a:chOff x="6740041" y="3326282"/>
+              <a:chExt cx="2841704" cy="646331"/>
+            </a:xfrm>
+          </p:grpSpPr>
+          <p:cxnSp>
+            <p:nvCxnSpPr>
+              <p:cNvPr id="19" name="Straight Arrow Connector 18">
+                <a:extLst>
+                  <a:ext uri="{FF2B5EF4-FFF2-40B4-BE49-F238E27FC236}">
+                    <a16:creationId xmlns:a16="http://schemas.microsoft.com/office/drawing/2014/main" id="{366D6965-D266-FB25-3B0E-F111BCBD6EFA}"/>
+                  </a:ext>
+                </a:extLst>
+              </p:cNvPr>
+              <p:cNvCxnSpPr>
+                <a:cxnSpLocks/>
+              </p:cNvCxnSpPr>
+              <p:nvPr/>
+            </p:nvCxnSpPr>
+            <p:spPr>
+              <a:xfrm flipV="1">
+                <a:off x="6740041" y="3802576"/>
+                <a:ext cx="2841704" cy="1"/>
+              </a:xfrm>
+              <a:prstGeom prst="straightConnector1">
+                <a:avLst/>
+              </a:prstGeom>
+              <a:ln w="38100">
+                <a:tailEnd type="triangle"/>
+              </a:ln>
+            </p:spPr>
+            <p:style>
+              <a:lnRef idx="1">
+                <a:schemeClr val="dk1"/>
+              </a:lnRef>
+              <a:fillRef idx="0">
+                <a:schemeClr val="dk1"/>
+              </a:fillRef>
+              <a:effectRef idx="0">
+                <a:schemeClr val="dk1"/>
+              </a:effectRef>
+              <a:fontRef idx="minor">
+                <a:schemeClr val="tx1"/>
+              </a:fontRef>
+            </p:style>
+          </p:cxnSp>
+          <p:sp>
+            <p:nvSpPr>
+              <p:cNvPr id="17" name="TextBox 16">
+                <a:extLst>
+                  <a:ext uri="{FF2B5EF4-FFF2-40B4-BE49-F238E27FC236}">
+                    <a16:creationId xmlns:a16="http://schemas.microsoft.com/office/drawing/2014/main" id="{DE1ABB3F-8DD7-EEFF-858B-AAD7B37C486F}"/>
+                  </a:ext>
+                </a:extLst>
+              </p:cNvPr>
+              <p:cNvSpPr txBox="1"/>
+              <p:nvPr/>
+            </p:nvSpPr>
+            <p:spPr>
+              <a:xfrm>
+                <a:off x="7285805" y="3326282"/>
+                <a:ext cx="1441746" cy="646331"/>
+              </a:xfrm>
+              <a:prstGeom prst="rect">
+                <a:avLst/>
+              </a:prstGeom>
+              <a:solidFill>
+                <a:schemeClr val="bg1"/>
+              </a:solidFill>
+              <a:ln w="38100">
+                <a:solidFill>
+                  <a:schemeClr val="tx1"/>
+                </a:solidFill>
+              </a:ln>
+            </p:spPr>
+            <p:txBody>
+              <a:bodyPr wrap="square" rtlCol="0">
+                <a:spAutoFit/>
+              </a:bodyPr>
+              <a:lstStyle/>
+              <a:p>
+                <a:pPr algn="ctr"/>
+                <a:r>
+                  <a:rPr lang="en-US" u="sng" dirty="0"/>
+                  <a:t>Rank By:</a:t>
+                </a:r>
+              </a:p>
+              <a:p>
+                <a:pPr marL="285750" indent="-285750" algn="ctr">
+                  <a:buFont typeface="Arial" panose="020B0604020202020204" pitchFamily="34" charset="0"/>
+                  <a:buChar char="•"/>
+                </a:pPr>
+                <a:r>
+                  <a:rPr lang="en-US" dirty="0"/>
+                  <a:t>Rating</a:t>
+                </a:r>
+              </a:p>
+            </p:txBody>
+          </p:sp>
+        </p:grpSp>
+        <p:grpSp>
+          <p:nvGrpSpPr>
+            <p:cNvPr id="20" name="Group 19">
+              <a:extLst>
+                <a:ext uri="{FF2B5EF4-FFF2-40B4-BE49-F238E27FC236}">
+                  <a16:creationId xmlns:a16="http://schemas.microsoft.com/office/drawing/2014/main" id="{66D9800B-E09F-8378-E572-BF4BF3FAEE33}"/>
+                </a:ext>
+              </a:extLst>
+            </p:cNvPr>
+            <p:cNvGrpSpPr/>
+            <p:nvPr/>
+          </p:nvGrpSpPr>
+          <p:grpSpPr>
+            <a:xfrm>
+              <a:off x="7083618" y="1869194"/>
+              <a:ext cx="1615234" cy="1823127"/>
+              <a:chOff x="9837858" y="2891012"/>
+              <a:chExt cx="1615234" cy="1823127"/>
+            </a:xfrm>
+          </p:grpSpPr>
+          <p:sp>
+            <p:nvSpPr>
+              <p:cNvPr id="21" name="Rectangle 20">
+                <a:extLst>
+                  <a:ext uri="{FF2B5EF4-FFF2-40B4-BE49-F238E27FC236}">
+                    <a16:creationId xmlns:a16="http://schemas.microsoft.com/office/drawing/2014/main" id="{AE8DC016-743F-B28B-B84E-D392B6CFBBBF}"/>
+                  </a:ext>
+                </a:extLst>
+              </p:cNvPr>
+              <p:cNvSpPr/>
+              <p:nvPr/>
+            </p:nvSpPr>
+            <p:spPr>
+              <a:xfrm>
+                <a:off x="9837858" y="2891012"/>
+                <a:ext cx="1615234" cy="1823127"/>
+              </a:xfrm>
+              <a:prstGeom prst="rect">
+                <a:avLst/>
+              </a:prstGeom>
+              <a:solidFill>
+                <a:schemeClr val="bg1"/>
+              </a:solidFill>
+              <a:ln w="38100">
+                <a:solidFill>
+                  <a:schemeClr val="tx1"/>
+                </a:solidFill>
+              </a:ln>
+            </p:spPr>
+            <p:style>
+              <a:lnRef idx="2">
+                <a:schemeClr val="accent1">
+                  <a:shade val="50000"/>
+                </a:schemeClr>
+              </a:lnRef>
+              <a:fillRef idx="1">
+                <a:schemeClr val="accent1"/>
+              </a:fillRef>
+              <a:effectRef idx="0">
+                <a:schemeClr val="accent1"/>
+              </a:effectRef>
+              <a:fontRef idx="minor">
+                <a:schemeClr val="lt1"/>
+              </a:fontRef>
+            </p:style>
+            <p:txBody>
+              <a:bodyPr rtlCol="0" anchor="ctr"/>
+              <a:lstStyle/>
+              <a:p>
+                <a:pPr algn="ctr"/>
+                <a:endParaRPr lang="en-US"/>
+              </a:p>
+            </p:txBody>
+          </p:sp>
+          <p:sp>
+            <p:nvSpPr>
+              <p:cNvPr id="22" name="TextBox 21">
+                <a:extLst>
+                  <a:ext uri="{FF2B5EF4-FFF2-40B4-BE49-F238E27FC236}">
+                    <a16:creationId xmlns:a16="http://schemas.microsoft.com/office/drawing/2014/main" id="{BE1943E6-F256-A218-92AF-98B35B3EACE3}"/>
+                  </a:ext>
+                </a:extLst>
+              </p:cNvPr>
+              <p:cNvSpPr txBox="1"/>
+              <p:nvPr/>
+            </p:nvSpPr>
+            <p:spPr>
+              <a:xfrm>
+                <a:off x="9837858" y="2896108"/>
+                <a:ext cx="1615234" cy="646331"/>
+              </a:xfrm>
+              <a:prstGeom prst="rect">
+                <a:avLst/>
+              </a:prstGeom>
+              <a:noFill/>
+            </p:spPr>
+            <p:txBody>
+              <a:bodyPr wrap="square" rtlCol="0">
+                <a:spAutoFit/>
+              </a:bodyPr>
+              <a:lstStyle/>
+              <a:p>
+                <a:pPr algn="ctr"/>
+                <a:r>
+                  <a:rPr lang="en-US" dirty="0"/>
+                  <a:t>Recommended Movies</a:t>
+                </a:r>
+              </a:p>
+            </p:txBody>
+          </p:sp>
+          <p:cxnSp>
+            <p:nvCxnSpPr>
+              <p:cNvPr id="23" name="Straight Connector 22">
+                <a:extLst>
+                  <a:ext uri="{FF2B5EF4-FFF2-40B4-BE49-F238E27FC236}">
+                    <a16:creationId xmlns:a16="http://schemas.microsoft.com/office/drawing/2014/main" id="{9B582F46-5865-3D55-886A-E7C802F96C37}"/>
+                  </a:ext>
+                </a:extLst>
+              </p:cNvPr>
+              <p:cNvCxnSpPr/>
+              <p:nvPr/>
+            </p:nvCxnSpPr>
+            <p:spPr>
+              <a:xfrm>
+                <a:off x="10038944" y="3591079"/>
+                <a:ext cx="1215957" cy="0"/>
+              </a:xfrm>
+              <a:prstGeom prst="line">
+                <a:avLst/>
+              </a:prstGeom>
+            </p:spPr>
+            <p:style>
+              <a:lnRef idx="1">
+                <a:schemeClr val="dk1"/>
+              </a:lnRef>
+              <a:fillRef idx="0">
+                <a:schemeClr val="dk1"/>
+              </a:fillRef>
+              <a:effectRef idx="0">
+                <a:schemeClr val="dk1"/>
+              </a:effectRef>
+              <a:fontRef idx="minor">
+                <a:schemeClr val="tx1"/>
+              </a:fontRef>
+            </p:style>
+          </p:cxnSp>
+          <p:cxnSp>
+            <p:nvCxnSpPr>
+              <p:cNvPr id="24" name="Straight Connector 23">
+                <a:extLst>
+                  <a:ext uri="{FF2B5EF4-FFF2-40B4-BE49-F238E27FC236}">
+                    <a16:creationId xmlns:a16="http://schemas.microsoft.com/office/drawing/2014/main" id="{C5D5E8E9-D6A0-57D1-76EA-80D886409523}"/>
+                  </a:ext>
+                </a:extLst>
+              </p:cNvPr>
+              <p:cNvCxnSpPr/>
+              <p:nvPr/>
+            </p:nvCxnSpPr>
+            <p:spPr>
+              <a:xfrm>
+                <a:off x="10035697" y="3743479"/>
+                <a:ext cx="1215957" cy="0"/>
+              </a:xfrm>
+              <a:prstGeom prst="line">
+                <a:avLst/>
+              </a:prstGeom>
+            </p:spPr>
+            <p:style>
+              <a:lnRef idx="1">
+                <a:schemeClr val="dk1"/>
+              </a:lnRef>
+              <a:fillRef idx="0">
+                <a:schemeClr val="dk1"/>
+              </a:fillRef>
+              <a:effectRef idx="0">
+                <a:schemeClr val="dk1"/>
+              </a:effectRef>
+              <a:fontRef idx="minor">
+                <a:schemeClr val="tx1"/>
+              </a:fontRef>
+            </p:style>
+          </p:cxnSp>
+          <p:cxnSp>
+            <p:nvCxnSpPr>
+              <p:cNvPr id="25" name="Straight Connector 24">
+                <a:extLst>
+                  <a:ext uri="{FF2B5EF4-FFF2-40B4-BE49-F238E27FC236}">
+                    <a16:creationId xmlns:a16="http://schemas.microsoft.com/office/drawing/2014/main" id="{D65F5B5B-6BE6-B393-A013-21E142F515E3}"/>
+                  </a:ext>
+                </a:extLst>
+              </p:cNvPr>
+              <p:cNvCxnSpPr/>
+              <p:nvPr/>
+            </p:nvCxnSpPr>
+            <p:spPr>
+              <a:xfrm>
+                <a:off x="10042177" y="3905607"/>
+                <a:ext cx="1215957" cy="0"/>
+              </a:xfrm>
+              <a:prstGeom prst="line">
+                <a:avLst/>
+              </a:prstGeom>
+            </p:spPr>
+            <p:style>
+              <a:lnRef idx="1">
+                <a:schemeClr val="dk1"/>
+              </a:lnRef>
+              <a:fillRef idx="0">
+                <a:schemeClr val="dk1"/>
+              </a:fillRef>
+              <a:effectRef idx="0">
+                <a:schemeClr val="dk1"/>
+              </a:effectRef>
+              <a:fontRef idx="minor">
+                <a:schemeClr val="tx1"/>
+              </a:fontRef>
+            </p:style>
+          </p:cxnSp>
+          <p:cxnSp>
+            <p:nvCxnSpPr>
+              <p:cNvPr id="26" name="Straight Connector 25">
+                <a:extLst>
+                  <a:ext uri="{FF2B5EF4-FFF2-40B4-BE49-F238E27FC236}">
+                    <a16:creationId xmlns:a16="http://schemas.microsoft.com/office/drawing/2014/main" id="{AB5386AD-ED77-1A96-C3F8-3932001E7C0A}"/>
+                  </a:ext>
+                </a:extLst>
+              </p:cNvPr>
+              <p:cNvCxnSpPr/>
+              <p:nvPr/>
+            </p:nvCxnSpPr>
+            <p:spPr>
+              <a:xfrm>
+                <a:off x="10055152" y="4045043"/>
+                <a:ext cx="1215957" cy="0"/>
+              </a:xfrm>
+              <a:prstGeom prst="line">
+                <a:avLst/>
+              </a:prstGeom>
+            </p:spPr>
+            <p:style>
+              <a:lnRef idx="1">
+                <a:schemeClr val="dk1"/>
+              </a:lnRef>
+              <a:fillRef idx="0">
+                <a:schemeClr val="dk1"/>
+              </a:fillRef>
+              <a:effectRef idx="0">
+                <a:schemeClr val="dk1"/>
+              </a:effectRef>
+              <a:fontRef idx="minor">
+                <a:schemeClr val="tx1"/>
+              </a:fontRef>
+            </p:style>
+          </p:cxnSp>
+          <p:cxnSp>
+            <p:nvCxnSpPr>
+              <p:cNvPr id="27" name="Straight Connector 26">
+                <a:extLst>
+                  <a:ext uri="{FF2B5EF4-FFF2-40B4-BE49-F238E27FC236}">
+                    <a16:creationId xmlns:a16="http://schemas.microsoft.com/office/drawing/2014/main" id="{CBA3AC6F-975B-02F9-CE63-85B1FA3F4314}"/>
+                  </a:ext>
+                </a:extLst>
+              </p:cNvPr>
+              <p:cNvCxnSpPr/>
+              <p:nvPr/>
+            </p:nvCxnSpPr>
+            <p:spPr>
+              <a:xfrm>
+                <a:off x="10051905" y="4197443"/>
+                <a:ext cx="1215957" cy="0"/>
+              </a:xfrm>
+              <a:prstGeom prst="line">
+                <a:avLst/>
+              </a:prstGeom>
+            </p:spPr>
+            <p:style>
+              <a:lnRef idx="1">
+                <a:schemeClr val="dk1"/>
+              </a:lnRef>
+              <a:fillRef idx="0">
+                <a:schemeClr val="dk1"/>
+              </a:fillRef>
+              <a:effectRef idx="0">
+                <a:schemeClr val="dk1"/>
+              </a:effectRef>
+              <a:fontRef idx="minor">
+                <a:schemeClr val="tx1"/>
+              </a:fontRef>
+            </p:style>
+          </p:cxnSp>
+          <p:cxnSp>
+            <p:nvCxnSpPr>
+              <p:cNvPr id="28" name="Straight Connector 27">
+                <a:extLst>
+                  <a:ext uri="{FF2B5EF4-FFF2-40B4-BE49-F238E27FC236}">
+                    <a16:creationId xmlns:a16="http://schemas.microsoft.com/office/drawing/2014/main" id="{3997714A-F1A3-7BE7-EF0F-23B7141D08AC}"/>
+                  </a:ext>
+                </a:extLst>
+              </p:cNvPr>
+              <p:cNvCxnSpPr/>
+              <p:nvPr/>
+            </p:nvCxnSpPr>
+            <p:spPr>
+              <a:xfrm>
+                <a:off x="10058385" y="4359571"/>
+                <a:ext cx="1215957" cy="0"/>
+              </a:xfrm>
+              <a:prstGeom prst="line">
+                <a:avLst/>
+              </a:prstGeom>
+            </p:spPr>
+            <p:style>
+              <a:lnRef idx="1">
+                <a:schemeClr val="dk1"/>
+              </a:lnRef>
+              <a:fillRef idx="0">
+                <a:schemeClr val="dk1"/>
+              </a:fillRef>
+              <a:effectRef idx="0">
+                <a:schemeClr val="dk1"/>
+              </a:effectRef>
+              <a:fontRef idx="minor">
+                <a:schemeClr val="tx1"/>
+              </a:fontRef>
+            </p:style>
+          </p:cxnSp>
+        </p:grpSp>
+      </p:grpSp>
+    </p:spTree>
+    <p:extLst>
+      <p:ext uri="{BB962C8B-B14F-4D97-AF65-F5344CB8AC3E}">
+        <p14:creationId xmlns:p14="http://schemas.microsoft.com/office/powerpoint/2010/main" val="2654945504"/>
+      </p:ext>
+    </p:extLst>
+  </p:cSld>
+  <p:clrMapOvr>
+    <a:masterClrMapping/>
+  </p:clrMapOvr>
+</p:sld>
+</file>
+
+<file path=ppt/slides/slide4.xml><?xml version="1.0" encoding="utf-8"?>
+<p:sld xmlns:a="http://schemas.openxmlformats.org/drawingml/2006/main" xmlns:r="http://schemas.openxmlformats.org/officeDocument/2006/relationships" xmlns:p="http://schemas.openxmlformats.org/presentationml/2006/main">
+  <p:cSld>
+    <p:spTree>
+      <p:nvGrpSpPr>
+        <p:cNvPr id="1" name=""/>
+        <p:cNvGrpSpPr/>
+        <p:nvPr/>
+      </p:nvGrpSpPr>
+      <p:grpSpPr>
+        <a:xfrm>
+          <a:off x="0" y="0"/>
+          <a:ext cx="0" cy="0"/>
+          <a:chOff x="0" y="0"/>
+          <a:chExt cx="0" cy="0"/>
+        </a:xfrm>
+      </p:grpSpPr>
+      <p:sp>
+        <p:nvSpPr>
+          <p:cNvPr id="2" name="TextBox 1">
+            <a:extLst>
+              <a:ext uri="{FF2B5EF4-FFF2-40B4-BE49-F238E27FC236}">
+                <a16:creationId xmlns:a16="http://schemas.microsoft.com/office/drawing/2014/main" id="{9B2E5B66-AAA9-83F6-5076-41A7DB6A0A24}"/>
+              </a:ext>
+            </a:extLst>
+          </p:cNvPr>
+          <p:cNvSpPr txBox="1"/>
+          <p:nvPr/>
+        </p:nvSpPr>
+        <p:spPr>
+          <a:xfrm>
+            <a:off x="618565" y="367553"/>
+            <a:ext cx="1693349" cy="400110"/>
+          </a:xfrm>
+          <a:prstGeom prst="rect">
+            <a:avLst/>
+          </a:prstGeom>
+          <a:noFill/>
+        </p:spPr>
+        <p:txBody>
+          <a:bodyPr wrap="none" rtlCol="0">
+            <a:spAutoFit/>
+          </a:bodyPr>
+          <a:lstStyle/>
+          <a:p>
+            <a:r>
+              <a:rPr lang="en-US" sz="2000" b="1" dirty="0"/>
+              <a:t>Prepping Data</a:t>
+            </a:r>
+          </a:p>
+        </p:txBody>
+      </p:sp>
+      <p:pic>
+        <p:nvPicPr>
+          <p:cNvPr id="3" name="Picture 2">
+            <a:extLst>
+              <a:ext uri="{FF2B5EF4-FFF2-40B4-BE49-F238E27FC236}">
+                <a16:creationId xmlns:a16="http://schemas.microsoft.com/office/drawing/2014/main" id="{89C90214-18F8-E9BB-A558-7700DC447BFC}"/>
+              </a:ext>
+            </a:extLst>
+          </p:cNvPr>
+          <p:cNvPicPr>
+            <a:picLocks noChangeAspect="1"/>
+          </p:cNvPicPr>
+          <p:nvPr/>
+        </p:nvPicPr>
+        <p:blipFill>
+          <a:blip r:embed="rId2"/>
+          <a:stretch>
+            <a:fillRect/>
+          </a:stretch>
+        </p:blipFill>
+        <p:spPr>
+          <a:xfrm>
+            <a:off x="618565" y="1033462"/>
+            <a:ext cx="4943475" cy="4791075"/>
+          </a:xfrm>
+          <a:prstGeom prst="rect">
+            <a:avLst/>
+          </a:prstGeom>
+        </p:spPr>
+      </p:pic>
+      <p:pic>
+        <p:nvPicPr>
+          <p:cNvPr id="4" name="Picture 3">
+            <a:extLst>
+              <a:ext uri="{FF2B5EF4-FFF2-40B4-BE49-F238E27FC236}">
+                <a16:creationId xmlns:a16="http://schemas.microsoft.com/office/drawing/2014/main" id="{F92C5DBA-0381-1370-F315-FAAB358AAD28}"/>
+              </a:ext>
+            </a:extLst>
+          </p:cNvPr>
+          <p:cNvPicPr>
+            <a:picLocks noChangeAspect="1"/>
+          </p:cNvPicPr>
+          <p:nvPr/>
+        </p:nvPicPr>
+        <p:blipFill>
+          <a:blip r:embed="rId3"/>
+          <a:stretch>
+            <a:fillRect/>
+          </a:stretch>
+        </p:blipFill>
+        <p:spPr>
+          <a:xfrm>
+            <a:off x="5802686" y="1033462"/>
+            <a:ext cx="4943475" cy="600075"/>
+          </a:xfrm>
+          <a:prstGeom prst="rect">
+            <a:avLst/>
+          </a:prstGeom>
+        </p:spPr>
+      </p:pic>
+      <p:pic>
+        <p:nvPicPr>
+          <p:cNvPr id="8" name="Picture 7">
+            <a:extLst>
+              <a:ext uri="{FF2B5EF4-FFF2-40B4-BE49-F238E27FC236}">
+                <a16:creationId xmlns:a16="http://schemas.microsoft.com/office/drawing/2014/main" id="{589C18B9-047E-4BC1-99AB-FD5D8F913320}"/>
+              </a:ext>
+            </a:extLst>
+          </p:cNvPr>
+          <p:cNvPicPr>
+            <a:picLocks noChangeAspect="1"/>
+          </p:cNvPicPr>
+          <p:nvPr/>
+        </p:nvPicPr>
+        <p:blipFill>
+          <a:blip r:embed="rId4"/>
+          <a:stretch>
+            <a:fillRect/>
+          </a:stretch>
+        </p:blipFill>
+        <p:spPr>
+          <a:xfrm>
+            <a:off x="5802686" y="5033962"/>
+            <a:ext cx="4943475" cy="790575"/>
+          </a:xfrm>
+          <a:prstGeom prst="rect">
+            <a:avLst/>
+          </a:prstGeom>
+        </p:spPr>
+      </p:pic>
+      <p:pic>
+        <p:nvPicPr>
+          <p:cNvPr id="10" name="Picture 9">
+            <a:extLst>
+              <a:ext uri="{FF2B5EF4-FFF2-40B4-BE49-F238E27FC236}">
+                <a16:creationId xmlns:a16="http://schemas.microsoft.com/office/drawing/2014/main" id="{C59FF288-B458-3F9F-DC54-F468CCFF6F88}"/>
+              </a:ext>
+            </a:extLst>
+          </p:cNvPr>
+          <p:cNvPicPr>
+            <a:picLocks noChangeAspect="1"/>
+          </p:cNvPicPr>
+          <p:nvPr/>
+        </p:nvPicPr>
+        <p:blipFill>
+          <a:blip r:embed="rId5"/>
+          <a:stretch>
+            <a:fillRect/>
+          </a:stretch>
+        </p:blipFill>
+        <p:spPr>
+          <a:xfrm>
+            <a:off x="5802685" y="1985962"/>
+            <a:ext cx="4943475" cy="2695575"/>
+          </a:xfrm>
+          <a:prstGeom prst="rect">
+            <a:avLst/>
+          </a:prstGeom>
+        </p:spPr>
+      </p:pic>
+    </p:spTree>
+    <p:extLst>
+      <p:ext uri="{BB962C8B-B14F-4D97-AF65-F5344CB8AC3E}">
+        <p14:creationId xmlns:p14="http://schemas.microsoft.com/office/powerpoint/2010/main" val="3201008700"/>
+      </p:ext>
+    </p:extLst>
+  </p:cSld>
+  <p:clrMapOvr>
+    <a:masterClrMapping/>
+  </p:clrMapOvr>
+</p:sld>
+</file>
+
+<file path=ppt/slides/slide5.xml><?xml version="1.0" encoding="utf-8"?>
+<p:sld xmlns:a="http://schemas.openxmlformats.org/drawingml/2006/main" xmlns:r="http://schemas.openxmlformats.org/officeDocument/2006/relationships" xmlns:p="http://schemas.openxmlformats.org/presentationml/2006/main">
+  <p:cSld>
+    <p:spTree>
+      <p:nvGrpSpPr>
+        <p:cNvPr id="1" name=""/>
+        <p:cNvGrpSpPr/>
+        <p:nvPr/>
+      </p:nvGrpSpPr>
+      <p:grpSpPr>
+        <a:xfrm>
+          <a:off x="0" y="0"/>
+          <a:ext cx="0" cy="0"/>
+          <a:chOff x="0" y="0"/>
+          <a:chExt cx="0" cy="0"/>
+        </a:xfrm>
+      </p:grpSpPr>
+      <p:sp>
+        <p:nvSpPr>
+          <p:cNvPr id="2" name="TextBox 1">
+            <a:extLst>
+              <a:ext uri="{FF2B5EF4-FFF2-40B4-BE49-F238E27FC236}">
+                <a16:creationId xmlns:a16="http://schemas.microsoft.com/office/drawing/2014/main" id="{9B2E5B66-AAA9-83F6-5076-41A7DB6A0A24}"/>
+              </a:ext>
+            </a:extLst>
+          </p:cNvPr>
+          <p:cNvSpPr txBox="1"/>
+          <p:nvPr/>
+        </p:nvSpPr>
+        <p:spPr>
+          <a:xfrm>
+            <a:off x="618565" y="367553"/>
+            <a:ext cx="3147272" cy="400110"/>
+          </a:xfrm>
+          <a:prstGeom prst="rect">
+            <a:avLst/>
+          </a:prstGeom>
+          <a:noFill/>
+        </p:spPr>
+        <p:txBody>
+          <a:bodyPr wrap="none" rtlCol="0">
+            <a:spAutoFit/>
+          </a:bodyPr>
+          <a:lstStyle/>
+          <a:p>
+            <a:r>
+              <a:rPr lang="en-US" sz="2000" b="1" dirty="0"/>
+              <a:t>Predicting Movie Popularity</a:t>
+            </a:r>
+          </a:p>
+        </p:txBody>
+      </p:sp>
+      <p:grpSp>
+        <p:nvGrpSpPr>
+          <p:cNvPr id="26" name="Group 25">
+            <a:extLst>
+              <a:ext uri="{FF2B5EF4-FFF2-40B4-BE49-F238E27FC236}">
+                <a16:creationId xmlns:a16="http://schemas.microsoft.com/office/drawing/2014/main" id="{C20E8A29-ECF9-A97E-47C1-0801D1A90760}"/>
+              </a:ext>
+            </a:extLst>
+          </p:cNvPr>
+          <p:cNvGrpSpPr/>
+          <p:nvPr/>
+        </p:nvGrpSpPr>
+        <p:grpSpPr>
+          <a:xfrm>
+            <a:off x="824750" y="1322354"/>
+            <a:ext cx="8134324" cy="4282829"/>
+            <a:chOff x="824750" y="1322354"/>
+            <a:chExt cx="8134324" cy="4282829"/>
+          </a:xfrm>
+        </p:grpSpPr>
+        <p:grpSp>
+          <p:nvGrpSpPr>
+            <p:cNvPr id="7" name="Group 6">
+              <a:extLst>
+                <a:ext uri="{FF2B5EF4-FFF2-40B4-BE49-F238E27FC236}">
+                  <a16:creationId xmlns:a16="http://schemas.microsoft.com/office/drawing/2014/main" id="{9792DC6E-4B2A-285C-568A-FA779C0A5CE7}"/>
+                </a:ext>
+              </a:extLst>
+            </p:cNvPr>
+            <p:cNvGrpSpPr/>
+            <p:nvPr/>
+          </p:nvGrpSpPr>
+          <p:grpSpPr>
+            <a:xfrm>
+              <a:off x="824750" y="1324536"/>
+              <a:ext cx="2151531" cy="4280647"/>
+              <a:chOff x="766810" y="1246095"/>
+              <a:chExt cx="2151531" cy="4280647"/>
+            </a:xfrm>
+          </p:grpSpPr>
+          <p:sp>
+            <p:nvSpPr>
+              <p:cNvPr id="3" name="Pentagon 2">
+                <a:extLst>
+                  <a:ext uri="{FF2B5EF4-FFF2-40B4-BE49-F238E27FC236}">
+                    <a16:creationId xmlns:a16="http://schemas.microsoft.com/office/drawing/2014/main" id="{96B6078C-BC97-4390-DA9A-F485B94E1086}"/>
+                  </a:ext>
+                </a:extLst>
+              </p:cNvPr>
+              <p:cNvSpPr/>
+              <p:nvPr/>
+            </p:nvSpPr>
+            <p:spPr>
+              <a:xfrm>
+                <a:off x="766812" y="1246095"/>
+                <a:ext cx="2151529" cy="2111781"/>
+              </a:xfrm>
+              <a:prstGeom prst="pentagon">
+                <a:avLst/>
+              </a:prstGeom>
+            </p:spPr>
+            <p:style>
+              <a:lnRef idx="2">
+                <a:schemeClr val="accent1">
+                  <a:shade val="50000"/>
+                </a:schemeClr>
+              </a:lnRef>
+              <a:fillRef idx="1">
+                <a:schemeClr val="accent1"/>
+              </a:fillRef>
+              <a:effectRef idx="0">
+                <a:schemeClr val="accent1"/>
+              </a:effectRef>
+              <a:fontRef idx="minor">
+                <a:schemeClr val="lt1"/>
+              </a:fontRef>
+            </p:style>
+            <p:txBody>
+              <a:bodyPr rtlCol="0" anchor="ctr"/>
+              <a:lstStyle/>
+              <a:p>
+                <a:pPr algn="ctr"/>
+                <a:r>
+                  <a:rPr lang="en-US" dirty="0"/>
+                  <a:t>Linear Regression</a:t>
+                </a:r>
+              </a:p>
+            </p:txBody>
+          </p:sp>
+          <p:grpSp>
+            <p:nvGrpSpPr>
+              <p:cNvPr id="6" name="Group 5">
+                <a:extLst>
+                  <a:ext uri="{FF2B5EF4-FFF2-40B4-BE49-F238E27FC236}">
+                    <a16:creationId xmlns:a16="http://schemas.microsoft.com/office/drawing/2014/main" id="{E1B3A177-A729-E114-932A-AEFFE6860134}"/>
+                  </a:ext>
+                </a:extLst>
+              </p:cNvPr>
+              <p:cNvGrpSpPr/>
+              <p:nvPr/>
+            </p:nvGrpSpPr>
+            <p:grpSpPr>
+              <a:xfrm>
+                <a:off x="766810" y="3414961"/>
+                <a:ext cx="2151529" cy="2111781"/>
+                <a:chOff x="766810" y="3414961"/>
+                <a:chExt cx="2151529" cy="2111781"/>
+              </a:xfrm>
+              <a:solidFill>
+                <a:srgbClr val="00B050"/>
+              </a:solidFill>
+            </p:grpSpPr>
+            <p:sp>
+              <p:nvSpPr>
+                <p:cNvPr id="4" name="Pentagon 3">
+                  <a:extLst>
+                    <a:ext uri="{FF2B5EF4-FFF2-40B4-BE49-F238E27FC236}">
+                      <a16:creationId xmlns:a16="http://schemas.microsoft.com/office/drawing/2014/main" id="{D687509D-1B17-1C69-ED89-C9096E5E0583}"/>
+                    </a:ext>
+                  </a:extLst>
+                </p:cNvPr>
+                <p:cNvSpPr/>
+                <p:nvPr/>
+              </p:nvSpPr>
+              <p:spPr>
+                <a:xfrm rot="10800000">
+                  <a:off x="766810" y="3414961"/>
+                  <a:ext cx="2151529" cy="2111781"/>
+                </a:xfrm>
+                <a:prstGeom prst="pentagon">
+                  <a:avLst/>
+                </a:prstGeom>
+                <a:grpFill/>
+              </p:spPr>
+              <p:style>
+                <a:lnRef idx="2">
+                  <a:schemeClr val="accent1">
+                    <a:shade val="50000"/>
+                  </a:schemeClr>
+                </a:lnRef>
+                <a:fillRef idx="1">
+                  <a:schemeClr val="accent1"/>
+                </a:fillRef>
+                <a:effectRef idx="0">
+                  <a:schemeClr val="accent1"/>
+                </a:effectRef>
+                <a:fontRef idx="minor">
+                  <a:schemeClr val="lt1"/>
+                </a:fontRef>
+              </p:style>
+              <p:txBody>
+                <a:bodyPr rtlCol="0" anchor="ctr"/>
+                <a:lstStyle/>
+                <a:p>
+                  <a:pPr algn="ctr"/>
+                  <a:endParaRPr lang="en-US" dirty="0"/>
+                </a:p>
+              </p:txBody>
+            </p:sp>
+            <p:sp>
+              <p:nvSpPr>
+                <p:cNvPr id="5" name="TextBox 4">
+                  <a:extLst>
+                    <a:ext uri="{FF2B5EF4-FFF2-40B4-BE49-F238E27FC236}">
+                      <a16:creationId xmlns:a16="http://schemas.microsoft.com/office/drawing/2014/main" id="{4C3B39C7-28D7-4B3F-C165-DDA44B5AF94D}"/>
+                    </a:ext>
+                  </a:extLst>
+                </p:cNvPr>
+                <p:cNvSpPr txBox="1"/>
+                <p:nvPr/>
+              </p:nvSpPr>
+              <p:spPr>
+                <a:xfrm>
+                  <a:off x="1108684" y="3824520"/>
+                  <a:ext cx="1467779" cy="646331"/>
+                </a:xfrm>
+                <a:prstGeom prst="rect">
+                  <a:avLst/>
+                </a:prstGeom>
+                <a:grpFill/>
+              </p:spPr>
+              <p:txBody>
+                <a:bodyPr wrap="square" rtlCol="0">
+                  <a:spAutoFit/>
+                </a:bodyPr>
+                <a:lstStyle/>
+                <a:p>
+                  <a:pPr algn="ctr"/>
+                  <a:r>
+                    <a:rPr lang="en-US" dirty="0">
+                      <a:solidFill>
+                        <a:schemeClr val="bg1"/>
+                      </a:solidFill>
+                    </a:rPr>
+                    <a:t>Neural Network</a:t>
+                  </a:r>
+                </a:p>
+              </p:txBody>
+            </p:sp>
+          </p:grpSp>
+        </p:grpSp>
+        <p:sp>
+          <p:nvSpPr>
+            <p:cNvPr id="8" name="Parallelogram 7">
+              <a:extLst>
+                <a:ext uri="{FF2B5EF4-FFF2-40B4-BE49-F238E27FC236}">
+                  <a16:creationId xmlns:a16="http://schemas.microsoft.com/office/drawing/2014/main" id="{F12FC2A1-A8BA-46A3-B77A-93B646A4B02B}"/>
+                </a:ext>
+              </a:extLst>
+            </p:cNvPr>
+            <p:cNvSpPr/>
+            <p:nvPr/>
+          </p:nvSpPr>
+          <p:spPr>
+            <a:xfrm flipH="1">
+              <a:off x="2007532" y="1322354"/>
+              <a:ext cx="2706676" cy="235323"/>
+            </a:xfrm>
+            <a:prstGeom prst="parallelogram">
+              <a:avLst>
+                <a:gd name="adj" fmla="val 141731"/>
+              </a:avLst>
+            </a:prstGeom>
+            <a:solidFill>
+              <a:schemeClr val="bg2">
+                <a:lumMod val="10000"/>
+              </a:schemeClr>
+            </a:solidFill>
+            <a:ln>
+              <a:solidFill>
+                <a:schemeClr val="tx1"/>
+              </a:solidFill>
+            </a:ln>
+          </p:spPr>
+          <p:style>
+            <a:lnRef idx="2">
+              <a:schemeClr val="accent1">
+                <a:shade val="50000"/>
+              </a:schemeClr>
+            </a:lnRef>
+            <a:fillRef idx="1">
+              <a:schemeClr val="accent1"/>
+            </a:fillRef>
+            <a:effectRef idx="0">
+              <a:schemeClr val="accent1"/>
+            </a:effectRef>
+            <a:fontRef idx="minor">
+              <a:schemeClr val="lt1"/>
+            </a:fontRef>
+          </p:style>
+          <p:txBody>
+            <a:bodyPr rtlCol="0" anchor="ctr"/>
+            <a:lstStyle/>
+            <a:p>
+              <a:pPr algn="ctr"/>
+              <a:r>
+                <a:rPr lang="en-US" sz="1600" dirty="0"/>
+                <a:t>Genre</a:t>
+              </a:r>
+            </a:p>
+          </p:txBody>
+        </p:sp>
+        <p:sp>
+          <p:nvSpPr>
+            <p:cNvPr id="9" name="Parallelogram 8">
+              <a:extLst>
+                <a:ext uri="{FF2B5EF4-FFF2-40B4-BE49-F238E27FC236}">
+                  <a16:creationId xmlns:a16="http://schemas.microsoft.com/office/drawing/2014/main" id="{E3BBC622-7E6D-FE02-377A-12FCC1246C26}"/>
+                </a:ext>
+              </a:extLst>
+            </p:cNvPr>
+            <p:cNvSpPr/>
+            <p:nvPr/>
+          </p:nvSpPr>
+          <p:spPr>
+            <a:xfrm flipH="1">
+              <a:off x="2372060" y="1596898"/>
+              <a:ext cx="2706677" cy="235323"/>
+            </a:xfrm>
+            <a:prstGeom prst="parallelogram">
+              <a:avLst>
+                <a:gd name="adj" fmla="val 137921"/>
+              </a:avLst>
+            </a:prstGeom>
+            <a:solidFill>
+              <a:schemeClr val="bg2">
+                <a:lumMod val="10000"/>
+              </a:schemeClr>
+            </a:solidFill>
+            <a:ln>
+              <a:solidFill>
+                <a:schemeClr val="tx1"/>
+              </a:solidFill>
+            </a:ln>
+          </p:spPr>
+          <p:style>
+            <a:lnRef idx="2">
+              <a:schemeClr val="accent1">
+                <a:shade val="50000"/>
+              </a:schemeClr>
+            </a:lnRef>
+            <a:fillRef idx="1">
+              <a:schemeClr val="accent1"/>
+            </a:fillRef>
+            <a:effectRef idx="0">
+              <a:schemeClr val="accent1"/>
+            </a:effectRef>
+            <a:fontRef idx="minor">
+              <a:schemeClr val="lt1"/>
+            </a:fontRef>
+          </p:style>
+          <p:txBody>
+            <a:bodyPr rtlCol="0" anchor="ctr"/>
+            <a:lstStyle/>
+            <a:p>
+              <a:pPr algn="ctr"/>
+              <a:r>
+                <a:rPr lang="en-US" sz="1600" dirty="0"/>
+                <a:t>Budget</a:t>
+              </a:r>
+            </a:p>
+          </p:txBody>
+        </p:sp>
+        <p:sp>
+          <p:nvSpPr>
+            <p:cNvPr id="10" name="Parallelogram 9">
+              <a:extLst>
+                <a:ext uri="{FF2B5EF4-FFF2-40B4-BE49-F238E27FC236}">
+                  <a16:creationId xmlns:a16="http://schemas.microsoft.com/office/drawing/2014/main" id="{8B90C726-FC2B-361D-8E86-6D34D86C3022}"/>
+                </a:ext>
+              </a:extLst>
+            </p:cNvPr>
+            <p:cNvSpPr/>
+            <p:nvPr/>
+          </p:nvSpPr>
+          <p:spPr>
+            <a:xfrm flipH="1">
+              <a:off x="2746794" y="1860295"/>
+              <a:ext cx="2706678" cy="235323"/>
+            </a:xfrm>
+            <a:prstGeom prst="parallelogram">
+              <a:avLst>
+                <a:gd name="adj" fmla="val 134111"/>
+              </a:avLst>
+            </a:prstGeom>
+            <a:solidFill>
+              <a:schemeClr val="bg2">
+                <a:lumMod val="10000"/>
+              </a:schemeClr>
+            </a:solidFill>
+            <a:ln>
+              <a:solidFill>
+                <a:schemeClr val="tx1"/>
+              </a:solidFill>
+            </a:ln>
+          </p:spPr>
+          <p:style>
+            <a:lnRef idx="2">
+              <a:schemeClr val="accent1">
+                <a:shade val="50000"/>
+              </a:schemeClr>
+            </a:lnRef>
+            <a:fillRef idx="1">
+              <a:schemeClr val="accent1"/>
+            </a:fillRef>
+            <a:effectRef idx="0">
+              <a:schemeClr val="accent1"/>
+            </a:effectRef>
+            <a:fontRef idx="minor">
+              <a:schemeClr val="lt1"/>
+            </a:fontRef>
+          </p:style>
+          <p:txBody>
+            <a:bodyPr rtlCol="0" anchor="ctr"/>
+            <a:lstStyle/>
+            <a:p>
+              <a:pPr algn="ctr"/>
+              <a:r>
+                <a:rPr lang="en-US" sz="1600" dirty="0"/>
+                <a:t>Original Language</a:t>
+              </a:r>
+            </a:p>
+          </p:txBody>
+        </p:sp>
+        <p:sp>
+          <p:nvSpPr>
+            <p:cNvPr id="11" name="Parallelogram 10">
+              <a:extLst>
+                <a:ext uri="{FF2B5EF4-FFF2-40B4-BE49-F238E27FC236}">
+                  <a16:creationId xmlns:a16="http://schemas.microsoft.com/office/drawing/2014/main" id="{524AABAD-596A-EFDA-4756-BAA4E40DFD7B}"/>
+                </a:ext>
+              </a:extLst>
+            </p:cNvPr>
+            <p:cNvSpPr/>
+            <p:nvPr/>
+          </p:nvSpPr>
+          <p:spPr>
+            <a:xfrm>
+              <a:off x="2976281" y="2141622"/>
+              <a:ext cx="2477191" cy="235323"/>
+            </a:xfrm>
+            <a:prstGeom prst="parallelogram">
+              <a:avLst>
+                <a:gd name="adj" fmla="val 35064"/>
+              </a:avLst>
+            </a:prstGeom>
+            <a:solidFill>
+              <a:schemeClr val="bg2">
+                <a:lumMod val="10000"/>
+              </a:schemeClr>
+            </a:solidFill>
+            <a:ln>
+              <a:solidFill>
+                <a:schemeClr val="tx1"/>
+              </a:solidFill>
+            </a:ln>
+          </p:spPr>
+          <p:style>
+            <a:lnRef idx="2">
+              <a:schemeClr val="accent1">
+                <a:shade val="50000"/>
+              </a:schemeClr>
+            </a:lnRef>
+            <a:fillRef idx="1">
+              <a:schemeClr val="accent1"/>
+            </a:fillRef>
+            <a:effectRef idx="0">
+              <a:schemeClr val="accent1"/>
+            </a:effectRef>
+            <a:fontRef idx="minor">
+              <a:schemeClr val="lt1"/>
+            </a:fontRef>
+          </p:style>
+          <p:txBody>
+            <a:bodyPr rtlCol="0" anchor="ctr"/>
+            <a:lstStyle/>
+            <a:p>
+              <a:pPr algn="ctr"/>
+              <a:r>
+                <a:rPr lang="en-US" sz="1600" dirty="0"/>
+                <a:t>Production Company</a:t>
+              </a:r>
+            </a:p>
+          </p:txBody>
+        </p:sp>
+        <p:sp>
+          <p:nvSpPr>
+            <p:cNvPr id="12" name="Parallelogram 11">
+              <a:extLst>
+                <a:ext uri="{FF2B5EF4-FFF2-40B4-BE49-F238E27FC236}">
+                  <a16:creationId xmlns:a16="http://schemas.microsoft.com/office/drawing/2014/main" id="{4E63F4DC-9165-1E10-3294-E54E7382FD48}"/>
+                </a:ext>
+              </a:extLst>
+            </p:cNvPr>
+            <p:cNvSpPr/>
+            <p:nvPr/>
+          </p:nvSpPr>
+          <p:spPr>
+            <a:xfrm>
+              <a:off x="2870502" y="2420471"/>
+              <a:ext cx="2477191" cy="235323"/>
+            </a:xfrm>
+            <a:prstGeom prst="parallelogram">
+              <a:avLst>
+                <a:gd name="adj" fmla="val 35064"/>
+              </a:avLst>
+            </a:prstGeom>
+            <a:solidFill>
+              <a:schemeClr val="bg2">
+                <a:lumMod val="10000"/>
+              </a:schemeClr>
+            </a:solidFill>
+            <a:ln>
+              <a:solidFill>
+                <a:schemeClr val="tx1"/>
+              </a:solidFill>
+            </a:ln>
+          </p:spPr>
+          <p:style>
+            <a:lnRef idx="2">
+              <a:schemeClr val="accent1">
+                <a:shade val="50000"/>
+              </a:schemeClr>
+            </a:lnRef>
+            <a:fillRef idx="1">
+              <a:schemeClr val="accent1"/>
+            </a:fillRef>
+            <a:effectRef idx="0">
+              <a:schemeClr val="accent1"/>
+            </a:effectRef>
+            <a:fontRef idx="minor">
+              <a:schemeClr val="lt1"/>
+            </a:fontRef>
+          </p:style>
+          <p:txBody>
+            <a:bodyPr rtlCol="0" anchor="ctr"/>
+            <a:lstStyle/>
+            <a:p>
+              <a:pPr algn="ctr"/>
+              <a:r>
+                <a:rPr lang="en-US" sz="1600" dirty="0"/>
+                <a:t>Production Country</a:t>
+              </a:r>
+            </a:p>
+          </p:txBody>
+        </p:sp>
+        <p:sp>
+          <p:nvSpPr>
+            <p:cNvPr id="13" name="Parallelogram 12">
+              <a:extLst>
+                <a:ext uri="{FF2B5EF4-FFF2-40B4-BE49-F238E27FC236}">
+                  <a16:creationId xmlns:a16="http://schemas.microsoft.com/office/drawing/2014/main" id="{D8B53A3D-06FD-832A-50E1-C390580BCA77}"/>
+                </a:ext>
+              </a:extLst>
+            </p:cNvPr>
+            <p:cNvSpPr/>
+            <p:nvPr/>
+          </p:nvSpPr>
+          <p:spPr>
+            <a:xfrm>
+              <a:off x="2788914" y="2685107"/>
+              <a:ext cx="2477191" cy="235323"/>
+            </a:xfrm>
+            <a:prstGeom prst="parallelogram">
+              <a:avLst>
+                <a:gd name="adj" fmla="val 35064"/>
+              </a:avLst>
+            </a:prstGeom>
+            <a:solidFill>
+              <a:schemeClr val="bg2">
+                <a:lumMod val="10000"/>
+              </a:schemeClr>
+            </a:solidFill>
+            <a:ln>
+              <a:solidFill>
+                <a:schemeClr val="tx1"/>
+              </a:solidFill>
+            </a:ln>
+          </p:spPr>
+          <p:style>
+            <a:lnRef idx="2">
+              <a:schemeClr val="accent1">
+                <a:shade val="50000"/>
+              </a:schemeClr>
+            </a:lnRef>
+            <a:fillRef idx="1">
+              <a:schemeClr val="accent1"/>
+            </a:fillRef>
+            <a:effectRef idx="0">
+              <a:schemeClr val="accent1"/>
+            </a:effectRef>
+            <a:fontRef idx="minor">
+              <a:schemeClr val="lt1"/>
+            </a:fontRef>
+          </p:style>
+          <p:txBody>
+            <a:bodyPr rtlCol="0" anchor="ctr"/>
+            <a:lstStyle/>
+            <a:p>
+              <a:pPr algn="ctr"/>
+              <a:r>
+                <a:rPr lang="en-US" sz="1600" dirty="0"/>
+                <a:t>Release Date</a:t>
+              </a:r>
+            </a:p>
+          </p:txBody>
+        </p:sp>
+        <p:sp>
+          <p:nvSpPr>
+            <p:cNvPr id="14" name="Parallelogram 13">
+              <a:extLst>
+                <a:ext uri="{FF2B5EF4-FFF2-40B4-BE49-F238E27FC236}">
+                  <a16:creationId xmlns:a16="http://schemas.microsoft.com/office/drawing/2014/main" id="{FF42F4A5-CF92-D7CB-E718-6CE578C1F315}"/>
+                </a:ext>
+              </a:extLst>
+            </p:cNvPr>
+            <p:cNvSpPr/>
+            <p:nvPr/>
+          </p:nvSpPr>
+          <p:spPr>
+            <a:xfrm>
+              <a:off x="2691778" y="2959650"/>
+              <a:ext cx="2477191" cy="235323"/>
+            </a:xfrm>
+            <a:prstGeom prst="parallelogram">
+              <a:avLst>
+                <a:gd name="adj" fmla="val 35064"/>
+              </a:avLst>
+            </a:prstGeom>
+            <a:solidFill>
+              <a:schemeClr val="bg2">
+                <a:lumMod val="10000"/>
+              </a:schemeClr>
+            </a:solidFill>
+            <a:ln>
+              <a:solidFill>
+                <a:schemeClr val="tx1"/>
+              </a:solidFill>
+            </a:ln>
+          </p:spPr>
+          <p:style>
+            <a:lnRef idx="2">
+              <a:schemeClr val="accent1">
+                <a:shade val="50000"/>
+              </a:schemeClr>
+            </a:lnRef>
+            <a:fillRef idx="1">
+              <a:schemeClr val="accent1"/>
+            </a:fillRef>
+            <a:effectRef idx="0">
+              <a:schemeClr val="accent1"/>
+            </a:effectRef>
+            <a:fontRef idx="minor">
+              <a:schemeClr val="lt1"/>
+            </a:fontRef>
+          </p:style>
+          <p:txBody>
+            <a:bodyPr rtlCol="0" anchor="ctr"/>
+            <a:lstStyle/>
+            <a:p>
+              <a:pPr algn="ctr"/>
+              <a:r>
+                <a:rPr lang="en-US" sz="1600" dirty="0"/>
+                <a:t>Revenue</a:t>
+              </a:r>
+            </a:p>
+          </p:txBody>
+        </p:sp>
+        <p:sp>
+          <p:nvSpPr>
+            <p:cNvPr id="15" name="Parallelogram 14">
+              <a:extLst>
+                <a:ext uri="{FF2B5EF4-FFF2-40B4-BE49-F238E27FC236}">
+                  <a16:creationId xmlns:a16="http://schemas.microsoft.com/office/drawing/2014/main" id="{21E212C0-7062-B7E9-9BD5-C59F97D351AE}"/>
+                </a:ext>
+              </a:extLst>
+            </p:cNvPr>
+            <p:cNvSpPr/>
+            <p:nvPr/>
+          </p:nvSpPr>
+          <p:spPr>
+            <a:xfrm>
+              <a:off x="2601546" y="3223047"/>
+              <a:ext cx="2477191" cy="235323"/>
+            </a:xfrm>
+            <a:prstGeom prst="parallelogram">
+              <a:avLst>
+                <a:gd name="adj" fmla="val 35064"/>
+              </a:avLst>
+            </a:prstGeom>
+            <a:solidFill>
+              <a:schemeClr val="bg2">
+                <a:lumMod val="10000"/>
+              </a:schemeClr>
+            </a:solidFill>
+            <a:ln>
+              <a:solidFill>
+                <a:schemeClr val="tx1"/>
+              </a:solidFill>
+            </a:ln>
+          </p:spPr>
+          <p:style>
+            <a:lnRef idx="2">
+              <a:schemeClr val="accent1">
+                <a:shade val="50000"/>
+              </a:schemeClr>
+            </a:lnRef>
+            <a:fillRef idx="1">
+              <a:schemeClr val="accent1"/>
+            </a:fillRef>
+            <a:effectRef idx="0">
+              <a:schemeClr val="accent1"/>
+            </a:effectRef>
+            <a:fontRef idx="minor">
+              <a:schemeClr val="lt1"/>
+            </a:fontRef>
+          </p:style>
+          <p:txBody>
+            <a:bodyPr rtlCol="0" anchor="ctr"/>
+            <a:lstStyle/>
+            <a:p>
+              <a:pPr algn="ctr"/>
+              <a:r>
+                <a:rPr lang="en-US" sz="1600" dirty="0"/>
+                <a:t>Average Rating</a:t>
+              </a:r>
+            </a:p>
+          </p:txBody>
+        </p:sp>
+        <p:sp>
+          <p:nvSpPr>
+            <p:cNvPr id="16" name="Parallelogram 15">
+              <a:extLst>
+                <a:ext uri="{FF2B5EF4-FFF2-40B4-BE49-F238E27FC236}">
+                  <a16:creationId xmlns:a16="http://schemas.microsoft.com/office/drawing/2014/main" id="{DF046E74-F0DA-B00F-DB72-D1A61EA476F6}"/>
+                </a:ext>
+              </a:extLst>
+            </p:cNvPr>
+            <p:cNvSpPr/>
+            <p:nvPr/>
+          </p:nvSpPr>
+          <p:spPr>
+            <a:xfrm flipH="1">
+              <a:off x="2601545" y="3484438"/>
+              <a:ext cx="2477191" cy="235323"/>
+            </a:xfrm>
+            <a:prstGeom prst="parallelogram">
+              <a:avLst>
+                <a:gd name="adj" fmla="val 35064"/>
+              </a:avLst>
+            </a:prstGeom>
+            <a:solidFill>
+              <a:schemeClr val="bg2">
+                <a:lumMod val="10000"/>
+              </a:schemeClr>
+            </a:solidFill>
+            <a:ln>
+              <a:solidFill>
+                <a:schemeClr val="tx1"/>
+              </a:solidFill>
+            </a:ln>
+          </p:spPr>
+          <p:style>
+            <a:lnRef idx="2">
+              <a:schemeClr val="accent1">
+                <a:shade val="50000"/>
+              </a:schemeClr>
+            </a:lnRef>
+            <a:fillRef idx="1">
+              <a:schemeClr val="accent1"/>
+            </a:fillRef>
+            <a:effectRef idx="0">
+              <a:schemeClr val="accent1"/>
+            </a:effectRef>
+            <a:fontRef idx="minor">
+              <a:schemeClr val="lt1"/>
+            </a:fontRef>
+          </p:style>
+          <p:txBody>
+            <a:bodyPr rtlCol="0" anchor="ctr"/>
+            <a:lstStyle/>
+            <a:p>
+              <a:pPr algn="ctr"/>
+              <a:r>
+                <a:rPr lang="en-US" sz="1600" dirty="0"/>
+                <a:t>Rating Count</a:t>
+              </a:r>
+            </a:p>
+          </p:txBody>
+        </p:sp>
+        <p:sp>
+          <p:nvSpPr>
+            <p:cNvPr id="17" name="Parallelogram 16">
+              <a:extLst>
+                <a:ext uri="{FF2B5EF4-FFF2-40B4-BE49-F238E27FC236}">
+                  <a16:creationId xmlns:a16="http://schemas.microsoft.com/office/drawing/2014/main" id="{7111993C-61B2-0535-82FA-E2D466A7EE3B}"/>
+                </a:ext>
+              </a:extLst>
+            </p:cNvPr>
+            <p:cNvSpPr/>
+            <p:nvPr/>
+          </p:nvSpPr>
+          <p:spPr>
+            <a:xfrm flipH="1">
+              <a:off x="2785459" y="4037292"/>
+              <a:ext cx="2477191" cy="235323"/>
+            </a:xfrm>
+            <a:prstGeom prst="parallelogram">
+              <a:avLst>
+                <a:gd name="adj" fmla="val 35064"/>
+              </a:avLst>
+            </a:prstGeom>
+            <a:solidFill>
+              <a:schemeClr val="bg1">
+                <a:lumMod val="50000"/>
+              </a:schemeClr>
+            </a:solidFill>
+            <a:ln>
+              <a:solidFill>
+                <a:schemeClr val="tx1"/>
+              </a:solidFill>
+            </a:ln>
+          </p:spPr>
+          <p:style>
+            <a:lnRef idx="2">
+              <a:schemeClr val="accent1">
+                <a:shade val="50000"/>
+              </a:schemeClr>
+            </a:lnRef>
+            <a:fillRef idx="1">
+              <a:schemeClr val="accent1"/>
+            </a:fillRef>
+            <a:effectRef idx="0">
+              <a:schemeClr val="accent1"/>
+            </a:effectRef>
+            <a:fontRef idx="minor">
+              <a:schemeClr val="lt1"/>
+            </a:fontRef>
+          </p:style>
+          <p:txBody>
+            <a:bodyPr rtlCol="0" anchor="ctr"/>
+            <a:lstStyle/>
+            <a:p>
+              <a:pPr algn="ctr"/>
+              <a:r>
+                <a:rPr lang="en-US" sz="1600" dirty="0"/>
+                <a:t>Cast</a:t>
+              </a:r>
+            </a:p>
+          </p:txBody>
+        </p:sp>
+        <p:sp>
+          <p:nvSpPr>
+            <p:cNvPr id="18" name="Parallelogram 17">
+              <a:extLst>
+                <a:ext uri="{FF2B5EF4-FFF2-40B4-BE49-F238E27FC236}">
+                  <a16:creationId xmlns:a16="http://schemas.microsoft.com/office/drawing/2014/main" id="{D35295C7-A06F-DBA8-7D2A-CBD7A91DAF57}"/>
+                </a:ext>
+              </a:extLst>
+            </p:cNvPr>
+            <p:cNvSpPr/>
+            <p:nvPr/>
+          </p:nvSpPr>
+          <p:spPr>
+            <a:xfrm flipH="1">
+              <a:off x="2882593" y="4306354"/>
+              <a:ext cx="2477191" cy="235323"/>
+            </a:xfrm>
+            <a:prstGeom prst="parallelogram">
+              <a:avLst>
+                <a:gd name="adj" fmla="val 35064"/>
+              </a:avLst>
+            </a:prstGeom>
+            <a:solidFill>
+              <a:schemeClr val="bg1">
+                <a:lumMod val="50000"/>
+              </a:schemeClr>
+            </a:solidFill>
+            <a:ln>
+              <a:solidFill>
+                <a:schemeClr val="tx1"/>
+              </a:solidFill>
+            </a:ln>
+          </p:spPr>
+          <p:style>
+            <a:lnRef idx="2">
+              <a:schemeClr val="accent1">
+                <a:shade val="50000"/>
+              </a:schemeClr>
+            </a:lnRef>
+            <a:fillRef idx="1">
+              <a:schemeClr val="accent1"/>
+            </a:fillRef>
+            <a:effectRef idx="0">
+              <a:schemeClr val="accent1"/>
+            </a:effectRef>
+            <a:fontRef idx="minor">
+              <a:schemeClr val="lt1"/>
+            </a:fontRef>
+          </p:style>
+          <p:txBody>
+            <a:bodyPr rtlCol="0" anchor="ctr"/>
+            <a:lstStyle/>
+            <a:p>
+              <a:pPr algn="ctr"/>
+              <a:r>
+                <a:rPr lang="en-US" sz="1600" dirty="0"/>
+                <a:t>Crew</a:t>
+              </a:r>
+            </a:p>
+          </p:txBody>
+        </p:sp>
+        <p:sp>
+          <p:nvSpPr>
+            <p:cNvPr id="19" name="Parallelogram 18">
+              <a:extLst>
+                <a:ext uri="{FF2B5EF4-FFF2-40B4-BE49-F238E27FC236}">
+                  <a16:creationId xmlns:a16="http://schemas.microsoft.com/office/drawing/2014/main" id="{1C0D6722-974E-B110-28FD-FE45AD23E1DA}"/>
+                </a:ext>
+              </a:extLst>
+            </p:cNvPr>
+            <p:cNvSpPr/>
+            <p:nvPr/>
+          </p:nvSpPr>
+          <p:spPr>
+            <a:xfrm flipH="1">
+              <a:off x="2976277" y="4582848"/>
+              <a:ext cx="2477191" cy="235323"/>
+            </a:xfrm>
+            <a:prstGeom prst="parallelogram">
+              <a:avLst>
+                <a:gd name="adj" fmla="val 35064"/>
+              </a:avLst>
+            </a:prstGeom>
+            <a:solidFill>
+              <a:schemeClr val="bg1">
+                <a:lumMod val="50000"/>
+              </a:schemeClr>
+            </a:solidFill>
+            <a:ln>
+              <a:solidFill>
+                <a:schemeClr val="tx1"/>
+              </a:solidFill>
+            </a:ln>
+          </p:spPr>
+          <p:style>
+            <a:lnRef idx="2">
+              <a:schemeClr val="accent1">
+                <a:shade val="50000"/>
+              </a:schemeClr>
+            </a:lnRef>
+            <a:fillRef idx="1">
+              <a:schemeClr val="accent1"/>
+            </a:fillRef>
+            <a:effectRef idx="0">
+              <a:schemeClr val="accent1"/>
+            </a:effectRef>
+            <a:fontRef idx="minor">
+              <a:schemeClr val="lt1"/>
+            </a:fontRef>
+          </p:style>
+          <p:txBody>
+            <a:bodyPr rtlCol="0" anchor="ctr"/>
+            <a:lstStyle/>
+            <a:p>
+              <a:pPr algn="ctr"/>
+              <a:r>
+                <a:rPr lang="en-US" sz="1600" dirty="0"/>
+                <a:t>Keywords</a:t>
+              </a:r>
+            </a:p>
+          </p:txBody>
+        </p:sp>
+        <p:sp>
+          <p:nvSpPr>
+            <p:cNvPr id="20" name="Parallelogram 19">
+              <a:extLst>
+                <a:ext uri="{FF2B5EF4-FFF2-40B4-BE49-F238E27FC236}">
+                  <a16:creationId xmlns:a16="http://schemas.microsoft.com/office/drawing/2014/main" id="{AFA7B9A7-CD11-EEFF-AD8D-5E95F0653064}"/>
+                </a:ext>
+              </a:extLst>
+            </p:cNvPr>
+            <p:cNvSpPr/>
+            <p:nvPr/>
+          </p:nvSpPr>
+          <p:spPr>
+            <a:xfrm flipH="1">
+              <a:off x="2693558" y="3760932"/>
+              <a:ext cx="2477191" cy="235323"/>
+            </a:xfrm>
+            <a:prstGeom prst="parallelogram">
+              <a:avLst>
+                <a:gd name="adj" fmla="val 35064"/>
+              </a:avLst>
+            </a:prstGeom>
+            <a:solidFill>
+              <a:schemeClr val="bg2">
+                <a:lumMod val="10000"/>
+              </a:schemeClr>
+            </a:solidFill>
+            <a:ln>
+              <a:solidFill>
+                <a:schemeClr val="tx1"/>
+              </a:solidFill>
+            </a:ln>
+          </p:spPr>
+          <p:style>
+            <a:lnRef idx="2">
+              <a:schemeClr val="accent1">
+                <a:shade val="50000"/>
+              </a:schemeClr>
+            </a:lnRef>
+            <a:fillRef idx="1">
+              <a:schemeClr val="accent1"/>
+            </a:fillRef>
+            <a:effectRef idx="0">
+              <a:schemeClr val="accent1"/>
+            </a:effectRef>
+            <a:fontRef idx="minor">
+              <a:schemeClr val="lt1"/>
+            </a:fontRef>
+          </p:style>
+          <p:txBody>
+            <a:bodyPr rtlCol="0" anchor="ctr"/>
+            <a:lstStyle/>
+            <a:p>
+              <a:pPr algn="ctr"/>
+              <a:r>
+                <a:rPr lang="en-US" sz="1600" dirty="0"/>
+                <a:t>Spoken Language</a:t>
+              </a:r>
+            </a:p>
+          </p:txBody>
+        </p:sp>
+        <p:sp>
+          <p:nvSpPr>
+            <p:cNvPr id="21" name="Arrow: Left-Right 20">
+              <a:extLst>
+                <a:ext uri="{FF2B5EF4-FFF2-40B4-BE49-F238E27FC236}">
+                  <a16:creationId xmlns:a16="http://schemas.microsoft.com/office/drawing/2014/main" id="{0F2726E3-D2E3-0802-D493-6A15CDE7A02B}"/>
+                </a:ext>
+              </a:extLst>
+            </p:cNvPr>
+            <p:cNvSpPr/>
+            <p:nvPr/>
+          </p:nvSpPr>
+          <p:spPr>
+            <a:xfrm>
+              <a:off x="5033910" y="3324964"/>
+              <a:ext cx="2706677" cy="302617"/>
+            </a:xfrm>
+            <a:prstGeom prst="leftRightArrow">
+              <a:avLst>
+                <a:gd name="adj1" fmla="val 100000"/>
+                <a:gd name="adj2" fmla="val 17414"/>
+              </a:avLst>
+            </a:prstGeom>
+          </p:spPr>
+          <p:style>
+            <a:lnRef idx="2">
+              <a:schemeClr val="accent1">
+                <a:shade val="50000"/>
+              </a:schemeClr>
+            </a:lnRef>
+            <a:fillRef idx="1">
+              <a:schemeClr val="accent1"/>
+            </a:fillRef>
+            <a:effectRef idx="0">
+              <a:schemeClr val="accent1"/>
+            </a:effectRef>
+            <a:fontRef idx="minor">
+              <a:schemeClr val="lt1"/>
+            </a:fontRef>
+          </p:style>
+          <p:txBody>
+            <a:bodyPr rtlCol="0" anchor="ctr"/>
+            <a:lstStyle/>
+            <a:p>
+              <a:pPr algn="ctr"/>
+              <a:endParaRPr lang="en-US"/>
+            </a:p>
+          </p:txBody>
+        </p:sp>
+        <p:sp>
+          <p:nvSpPr>
+            <p:cNvPr id="25" name="TextBox 24">
+              <a:extLst>
+                <a:ext uri="{FF2B5EF4-FFF2-40B4-BE49-F238E27FC236}">
+                  <a16:creationId xmlns:a16="http://schemas.microsoft.com/office/drawing/2014/main" id="{6882179C-F450-1892-89BE-0196616DE875}"/>
+                </a:ext>
+              </a:extLst>
+            </p:cNvPr>
+            <p:cNvSpPr txBox="1"/>
+            <p:nvPr/>
+          </p:nvSpPr>
+          <p:spPr>
+            <a:xfrm>
+              <a:off x="7817223" y="3273704"/>
+              <a:ext cx="1141851" cy="369332"/>
+            </a:xfrm>
+            <a:prstGeom prst="rect">
+              <a:avLst/>
+            </a:prstGeom>
+            <a:noFill/>
+          </p:spPr>
+          <p:txBody>
+            <a:bodyPr wrap="none" rtlCol="0">
+              <a:spAutoFit/>
+            </a:bodyPr>
+            <a:lstStyle/>
+            <a:p>
+              <a:r>
+                <a:rPr lang="en-US" dirty="0"/>
+                <a:t>Popularity</a:t>
+              </a:r>
+            </a:p>
+          </p:txBody>
+        </p:sp>
+      </p:grpSp>
+    </p:spTree>
+    <p:extLst>
+      <p:ext uri="{BB962C8B-B14F-4D97-AF65-F5344CB8AC3E}">
+        <p14:creationId xmlns:p14="http://schemas.microsoft.com/office/powerpoint/2010/main" val="2657500527"/>
+      </p:ext>
+    </p:extLst>
+  </p:cSld>
+  <p:clrMapOvr>
+    <a:masterClrMapping/>
+  </p:clrMapOvr>
+</p:sld>
+</file>
+
+<file path=ppt/slides/slide6.xml><?xml version="1.0" encoding="utf-8"?>
+<p:sld xmlns:a="http://schemas.openxmlformats.org/drawingml/2006/main" xmlns:r="http://schemas.openxmlformats.org/officeDocument/2006/relationships" xmlns:p="http://schemas.openxmlformats.org/presentationml/2006/main">
+  <p:cSld>
+    <p:spTree>
+      <p:nvGrpSpPr>
+        <p:cNvPr id="1" name=""/>
+        <p:cNvGrpSpPr/>
+        <p:nvPr/>
+      </p:nvGrpSpPr>
+      <p:grpSpPr>
+        <a:xfrm>
+          <a:off x="0" y="0"/>
+          <a:ext cx="0" cy="0"/>
+          <a:chOff x="0" y="0"/>
+          <a:chExt cx="0" cy="0"/>
+        </a:xfrm>
+      </p:grpSpPr>
+      <p:sp>
+        <p:nvSpPr>
+          <p:cNvPr id="2" name="TextBox 1">
+            <a:extLst>
+              <a:ext uri="{FF2B5EF4-FFF2-40B4-BE49-F238E27FC236}">
+                <a16:creationId xmlns:a16="http://schemas.microsoft.com/office/drawing/2014/main" id="{E14E4811-A628-4261-F880-08AC396ADDD1}"/>
+              </a:ext>
+            </a:extLst>
+          </p:cNvPr>
+          <p:cNvSpPr txBox="1"/>
+          <p:nvPr/>
+        </p:nvSpPr>
+        <p:spPr>
+          <a:xfrm>
+            <a:off x="618565" y="367553"/>
+            <a:ext cx="3326552" cy="400110"/>
+          </a:xfrm>
+          <a:prstGeom prst="rect">
+            <a:avLst/>
+          </a:prstGeom>
+          <a:noFill/>
+        </p:spPr>
+        <p:txBody>
+          <a:bodyPr wrap="none" rtlCol="0">
+            <a:spAutoFit/>
+          </a:bodyPr>
+          <a:lstStyle/>
+          <a:p>
+            <a:r>
+              <a:rPr lang="en-US" sz="2000" b="1" dirty="0"/>
+              <a:t>Metrics for Movie Similarities</a:t>
             </a:r>
           </a:p>
         </p:txBody>
@@ -5575,6 +7941,71 @@
 </p:sld>
 </file>
 
+<file path=ppt/slides/slide7.xml><?xml version="1.0" encoding="utf-8"?>
+<p:sld xmlns:a="http://schemas.openxmlformats.org/drawingml/2006/main" xmlns:r="http://schemas.openxmlformats.org/officeDocument/2006/relationships" xmlns:p="http://schemas.openxmlformats.org/presentationml/2006/main">
+  <p:cSld>
+    <p:spTree>
+      <p:nvGrpSpPr>
+        <p:cNvPr id="1" name=""/>
+        <p:cNvGrpSpPr/>
+        <p:nvPr/>
+      </p:nvGrpSpPr>
+      <p:grpSpPr>
+        <a:xfrm>
+          <a:off x="0" y="0"/>
+          <a:ext cx="0" cy="0"/>
+          <a:chOff x="0" y="0"/>
+          <a:chExt cx="0" cy="0"/>
+        </a:xfrm>
+      </p:grpSpPr>
+      <p:sp>
+        <p:nvSpPr>
+          <p:cNvPr id="2" name="TextBox 1">
+            <a:extLst>
+              <a:ext uri="{FF2B5EF4-FFF2-40B4-BE49-F238E27FC236}">
+                <a16:creationId xmlns:a16="http://schemas.microsoft.com/office/drawing/2014/main" id="{787C5700-CE02-6C2F-17A6-A268A992ABA7}"/>
+              </a:ext>
+            </a:extLst>
+          </p:cNvPr>
+          <p:cNvSpPr txBox="1"/>
+          <p:nvPr/>
+        </p:nvSpPr>
+        <p:spPr>
+          <a:xfrm>
+            <a:off x="618565" y="367553"/>
+            <a:ext cx="3467488" cy="400110"/>
+          </a:xfrm>
+          <a:prstGeom prst="rect">
+            <a:avLst/>
+          </a:prstGeom>
+          <a:noFill/>
+        </p:spPr>
+        <p:txBody>
+          <a:bodyPr wrap="none" rtlCol="0">
+            <a:spAutoFit/>
+          </a:bodyPr>
+          <a:lstStyle/>
+          <a:p>
+            <a:r>
+              <a:rPr lang="en-US" sz="2000" b="1" dirty="0"/>
+              <a:t>Clustering Movies by Similarity</a:t>
+            </a:r>
+          </a:p>
+        </p:txBody>
+      </p:sp>
+    </p:spTree>
+    <p:extLst>
+      <p:ext uri="{BB962C8B-B14F-4D97-AF65-F5344CB8AC3E}">
+        <p14:creationId xmlns:p14="http://schemas.microsoft.com/office/powerpoint/2010/main" val="785626754"/>
+      </p:ext>
+    </p:extLst>
+  </p:cSld>
+  <p:clrMapOvr>
+    <a:masterClrMapping/>
+  </p:clrMapOvr>
+</p:sld>
+</file>
+
 <file path=ppt/theme/theme1.xml><?xml version="1.0" encoding="utf-8"?>
 <a:theme xmlns:a="http://schemas.openxmlformats.org/drawingml/2006/main" name="Office Theme">
   <a:themeElements>
